--- a/Presentations/Project Proposal/Project Proposal Presentation Verena.pptx
+++ b/Presentations/Project Proposal/Project Proposal Presentation Verena.pptx
@@ -225,7 +225,7 @@
           <a:p>
             <a:fld id="{A066BCB4-5747-4B09-964D-B3729956D23A}" type="datetimeFigureOut">
               <a:rPr lang="de-DE" smtClean="0"/>
-              <a:t>17.05.2022</a:t>
+              <a:t>18.05.2022</a:t>
             </a:fld>
             <a:endParaRPr lang="de-DE"/>
           </a:p>
@@ -1154,7 +1154,15 @@
             </a:r>
             <a:r>
               <a:rPr lang="en-US" dirty="0"/>
-              <a:t> of July. Phase five will be used to take all necessary steps to conclude this project. We will compile all relevant data into a report and prepare a final presentation. This will be used to present all our gained knowledge to you.</a:t>
+              <a:t> of July. Phase five will be used to take all necessary steps to conclude this project. We will compile all relevant data into a report and prepare a final presentation. This will be used to present all our gained knowledge to you. This last Phase will end on the 19</a:t>
+            </a:r>
+            <a:r>
+              <a:rPr lang="en-US" baseline="30000" dirty="0"/>
+              <a:t>th</a:t>
+            </a:r>
+            <a:r>
+              <a:rPr lang="en-US" dirty="0"/>
+              <a:t> of July, just one day before we will conclude this project by holding our final presentation.</a:t>
             </a:r>
           </a:p>
           <a:p>
@@ -1308,8 +1316,13 @@
             </a:r>
             <a:r>
               <a:rPr lang="en-US" dirty="0"/>
-              <a:t>. The round table. Every Tuesday evening at five pm we meet at a conference room in the library and hold our weeks main meeting. This includes an in-depth discussion of our tutorial with Ian earlier in the day and a further exploring of our further developed ideas from the tutorial debriefing. We also recap what we achieved in the last week and distribute tasks for the coming weeks. </a:t>
-            </a:r>
+              <a:t>. The round table. Every Tuesday evening at five pm we meet at a conference room in the library and hold our weeks main meeting. This includes an in-depth discussion of our tutorial with Ian earlier in the day and exploring of our further developed ideas from the tutorial debriefing. We also recap what we achieved in the last week and distribute tasks for the </a:t>
+            </a:r>
+            <a:r>
+              <a:rPr lang="en-US"/>
+              <a:t>coming week. </a:t>
+            </a:r>
+            <a:endParaRPr lang="en-US" dirty="0"/>
           </a:p>
           <a:p>
             <a:r>
@@ -5229,7 +5242,7 @@
           <a:p>
             <a:fld id="{4E4D35B4-7069-4B30-92CD-0AEC62722384}" type="datetime1">
               <a:rPr lang="de-DE" smtClean="0"/>
-              <a:t>17.05.2022</a:t>
+              <a:t>18.05.2022</a:t>
             </a:fld>
             <a:endParaRPr lang="de-DE"/>
           </a:p>
@@ -5402,7 +5415,7 @@
           <a:p>
             <a:fld id="{EF11B494-B548-4041-8C78-F3F11B2153ED}" type="datetime1">
               <a:rPr lang="de-DE" smtClean="0"/>
-              <a:t>17.05.2022</a:t>
+              <a:t>18.05.2022</a:t>
             </a:fld>
             <a:endParaRPr lang="de-DE"/>
           </a:p>
@@ -5585,7 +5598,7 @@
           <a:p>
             <a:fld id="{D34EC744-8E0F-4666-BC5A-495C368D8BA0}" type="datetime1">
               <a:rPr lang="de-DE" smtClean="0"/>
-              <a:t>17.05.2022</a:t>
+              <a:t>18.05.2022</a:t>
             </a:fld>
             <a:endParaRPr lang="de-DE"/>
           </a:p>
@@ -5758,7 +5771,7 @@
           <a:p>
             <a:fld id="{1F96605B-8219-405C-BAB3-22CFB93EC77D}" type="datetime1">
               <a:rPr lang="de-DE" smtClean="0"/>
-              <a:t>17.05.2022</a:t>
+              <a:t>18.05.2022</a:t>
             </a:fld>
             <a:endParaRPr lang="de-DE"/>
           </a:p>
@@ -6007,7 +6020,7 @@
           <a:p>
             <a:fld id="{B8870600-3A68-4AB7-9141-BAD48B0D6406}" type="datetime1">
               <a:rPr lang="de-DE" smtClean="0"/>
-              <a:t>17.05.2022</a:t>
+              <a:t>18.05.2022</a:t>
             </a:fld>
             <a:endParaRPr lang="de-DE"/>
           </a:p>
@@ -6242,7 +6255,7 @@
           <a:p>
             <a:fld id="{5FD8DBC4-4E8B-4F2E-8D75-B3D601992F13}" type="datetime1">
               <a:rPr lang="de-DE" smtClean="0"/>
-              <a:t>17.05.2022</a:t>
+              <a:t>18.05.2022</a:t>
             </a:fld>
             <a:endParaRPr lang="de-DE"/>
           </a:p>
@@ -6612,7 +6625,7 @@
           <a:p>
             <a:fld id="{E38F780F-35A8-41F2-803D-8DFD54272BEF}" type="datetime1">
               <a:rPr lang="de-DE" smtClean="0"/>
-              <a:t>17.05.2022</a:t>
+              <a:t>18.05.2022</a:t>
             </a:fld>
             <a:endParaRPr lang="de-DE"/>
           </a:p>
@@ -6733,7 +6746,7 @@
           <a:p>
             <a:fld id="{E248A22B-5891-4BB7-B577-825EF80C8DC0}" type="datetime1">
               <a:rPr lang="de-DE" smtClean="0"/>
-              <a:t>17.05.2022</a:t>
+              <a:t>18.05.2022</a:t>
             </a:fld>
             <a:endParaRPr lang="de-DE"/>
           </a:p>
@@ -6831,7 +6844,7 @@
           <a:p>
             <a:fld id="{EBAB5F03-E438-409F-948A-23B68EC68711}" type="datetime1">
               <a:rPr lang="de-DE" smtClean="0"/>
-              <a:t>17.05.2022</a:t>
+              <a:t>18.05.2022</a:t>
             </a:fld>
             <a:endParaRPr lang="de-DE"/>
           </a:p>
@@ -7111,7 +7124,7 @@
           <a:p>
             <a:fld id="{189EC830-2B5C-4E75-B244-C97623B20C7C}" type="datetime1">
               <a:rPr lang="de-DE" smtClean="0"/>
-              <a:t>17.05.2022</a:t>
+              <a:t>18.05.2022</a:t>
             </a:fld>
             <a:endParaRPr lang="de-DE"/>
           </a:p>
@@ -7371,7 +7384,7 @@
           <a:p>
             <a:fld id="{B68E9873-F58D-4E9C-B2A6-B07C00CC07F2}" type="datetime1">
               <a:rPr lang="de-DE" smtClean="0"/>
-              <a:t>17.05.2022</a:t>
+              <a:t>18.05.2022</a:t>
             </a:fld>
             <a:endParaRPr lang="de-DE"/>
           </a:p>
@@ -7587,7 +7600,7 @@
           <a:p>
             <a:fld id="{108A87E1-5614-4AB1-8F63-E303A46FF430}" type="datetime1">
               <a:rPr lang="de-DE" smtClean="0"/>
-              <a:t>17.05.2022</a:t>
+              <a:t>18.05.2022</a:t>
             </a:fld>
             <a:endParaRPr lang="de-DE"/>
           </a:p>
@@ -8071,7 +8084,7 @@
                 <a:tabLst/>
                 <a:defRPr/>
               </a:pPr>
-              <a:t>17.05.2022</a:t>
+              <a:t>18.05.2022</a:t>
             </a:fld>
             <a:endParaRPr kumimoji="0" lang="de-DE" sz="900" b="0" i="0" u="none" strike="noStrike" kern="1200" cap="none" spc="0" normalizeH="0" baseline="0" noProof="0" dirty="0">
               <a:ln>
@@ -8954,7 +8967,7 @@
                   <a:srgbClr val="2E4186"/>
                 </a:solidFill>
               </a:rPr>
-              <a:t>17.05.2022</a:t>
+              <a:t>18.05.2022</a:t>
             </a:fld>
             <a:endParaRPr lang="de-DE" dirty="0">
               <a:solidFill>
@@ -9867,7 +9880,7 @@
                   <a:srgbClr val="2E4186"/>
                 </a:solidFill>
               </a:rPr>
-              <a:t>17.05.2022</a:t>
+              <a:t>18.05.2022</a:t>
             </a:fld>
             <a:endParaRPr lang="de-DE" dirty="0">
               <a:solidFill>
@@ -11243,7 +11256,7 @@
                   <a:srgbClr val="2E4186"/>
                 </a:solidFill>
               </a:rPr>
-              <a:t>17.05.2022</a:t>
+              <a:t>18.05.2022</a:t>
             </a:fld>
             <a:endParaRPr lang="de-DE" dirty="0">
               <a:solidFill>
@@ -16835,7 +16848,7 @@
                   <a:srgbClr val="2E4186"/>
                 </a:solidFill>
               </a:rPr>
-              <a:t>17.05.2022</a:t>
+              <a:t>18.05.2022</a:t>
             </a:fld>
             <a:endParaRPr lang="de-DE" dirty="0">
               <a:solidFill>
@@ -17817,7 +17830,7 @@
                                 </p:cTn>
                               </p:par>
                               <p:par>
-                                <p:cTn id="7" presetID="1" presetClass="exit" presetSubtype="0" fill="hold" nodeType="withEffect">
+                                <p:cTn id="7" presetID="10" presetClass="entr" presetSubtype="0" fill="hold" grpId="0" nodeType="withEffect">
                                   <p:stCondLst>
                                     <p:cond delay="0"/>
                                   </p:stCondLst>
@@ -17825,6 +17838,41 @@
                                     <p:set>
                                       <p:cBhvr>
                                         <p:cTn id="8" dur="1" fill="hold">
+                                          <p:stCondLst>
+                                            <p:cond delay="0"/>
+                                          </p:stCondLst>
+                                        </p:cTn>
+                                        <p:tgtEl>
+                                          <p:spTgt spid="38"/>
+                                        </p:tgtEl>
+                                        <p:attrNameLst>
+                                          <p:attrName>style.visibility</p:attrName>
+                                        </p:attrNameLst>
+                                      </p:cBhvr>
+                                      <p:to>
+                                        <p:strVal val="visible"/>
+                                      </p:to>
+                                    </p:set>
+                                    <p:animEffect transition="in" filter="fade">
+                                      <p:cBhvr>
+                                        <p:cTn id="9" dur="500"/>
+                                        <p:tgtEl>
+                                          <p:spTgt spid="38"/>
+                                        </p:tgtEl>
+                                      </p:cBhvr>
+                                    </p:animEffect>
+                                  </p:childTnLst>
+                                </p:cTn>
+                              </p:par>
+                              <p:par>
+                                <p:cTn id="10" presetID="1" presetClass="exit" presetSubtype="0" fill="hold" nodeType="withEffect">
+                                  <p:stCondLst>
+                                    <p:cond delay="0"/>
+                                  </p:stCondLst>
+                                  <p:childTnLst>
+                                    <p:set>
+                                      <p:cBhvr>
+                                        <p:cTn id="11" dur="1" fill="hold">
                                           <p:stCondLst>
                                             <p:cond delay="0"/>
                                           </p:stCondLst>
@@ -17850,26 +17898,26 @@
                     </p:cTn>
                   </p:par>
                   <p:par>
-                    <p:cTn id="9" fill="hold">
+                    <p:cTn id="12" fill="hold">
                       <p:stCondLst>
                         <p:cond delay="indefinite"/>
                       </p:stCondLst>
                       <p:childTnLst>
                         <p:par>
-                          <p:cTn id="10" fill="hold">
+                          <p:cTn id="13" fill="hold">
                             <p:stCondLst>
                               <p:cond delay="0"/>
                             </p:stCondLst>
                             <p:childTnLst>
                               <p:par>
-                                <p:cTn id="11" presetID="1" presetClass="exit" presetSubtype="0" fill="hold" nodeType="clickEffect">
+                                <p:cTn id="14" presetID="1" presetClass="exit" presetSubtype="0" fill="hold" nodeType="clickEffect">
                                   <p:stCondLst>
                                     <p:cond delay="0"/>
                                   </p:stCondLst>
                                   <p:childTnLst>
                                     <p:set>
                                       <p:cBhvr>
-                                        <p:cTn id="12" dur="1" fill="hold">
+                                        <p:cTn id="15" dur="1" fill="hold">
                                           <p:stCondLst>
                                             <p:cond delay="0"/>
                                           </p:stCondLst>
@@ -17889,14 +17937,14 @@
                                 </p:cTn>
                               </p:par>
                               <p:par>
-                                <p:cTn id="13" presetID="1" presetClass="entr" presetSubtype="0" fill="hold" nodeType="withEffect">
+                                <p:cTn id="16" presetID="1" presetClass="entr" presetSubtype="0" fill="hold" nodeType="withEffect">
                                   <p:stCondLst>
                                     <p:cond delay="0"/>
                                   </p:stCondLst>
                                   <p:childTnLst>
                                     <p:set>
                                       <p:cBhvr>
-                                        <p:cTn id="14" dur="1" fill="hold">
+                                        <p:cTn id="17" dur="1" fill="hold">
                                           <p:stCondLst>
                                             <p:cond delay="0"/>
                                           </p:stCondLst>
@@ -17916,14 +17964,49 @@
                                 </p:cTn>
                               </p:par>
                               <p:par>
-                                <p:cTn id="15" presetID="1" presetClass="entr" presetSubtype="0" fill="hold" nodeType="withEffect">
+                                <p:cTn id="18" presetID="10" presetClass="entr" presetSubtype="0" fill="hold" grpId="0" nodeType="withEffect">
                                   <p:stCondLst>
                                     <p:cond delay="0"/>
                                   </p:stCondLst>
                                   <p:childTnLst>
                                     <p:set>
                                       <p:cBhvr>
-                                        <p:cTn id="16" dur="1" fill="hold">
+                                        <p:cTn id="19" dur="1" fill="hold">
+                                          <p:stCondLst>
+                                            <p:cond delay="0"/>
+                                          </p:stCondLst>
+                                        </p:cTn>
+                                        <p:tgtEl>
+                                          <p:spTgt spid="40"/>
+                                        </p:tgtEl>
+                                        <p:attrNameLst>
+                                          <p:attrName>style.visibility</p:attrName>
+                                        </p:attrNameLst>
+                                      </p:cBhvr>
+                                      <p:to>
+                                        <p:strVal val="visible"/>
+                                      </p:to>
+                                    </p:set>
+                                    <p:animEffect transition="in" filter="fade">
+                                      <p:cBhvr>
+                                        <p:cTn id="20" dur="500"/>
+                                        <p:tgtEl>
+                                          <p:spTgt spid="40"/>
+                                        </p:tgtEl>
+                                      </p:cBhvr>
+                                    </p:animEffect>
+                                  </p:childTnLst>
+                                </p:cTn>
+                              </p:par>
+                              <p:par>
+                                <p:cTn id="21" presetID="1" presetClass="entr" presetSubtype="0" fill="hold" nodeType="withEffect">
+                                  <p:stCondLst>
+                                    <p:cond delay="0"/>
+                                  </p:stCondLst>
+                                  <p:childTnLst>
+                                    <p:set>
+                                      <p:cBhvr>
+                                        <p:cTn id="22" dur="1" fill="hold">
                                           <p:stCondLst>
                                             <p:cond delay="0"/>
                                           </p:stCondLst>
@@ -17943,14 +18026,14 @@
                                 </p:cTn>
                               </p:par>
                               <p:par>
-                                <p:cTn id="17" presetID="1" presetClass="exit" presetSubtype="0" fill="hold" nodeType="withEffect">
+                                <p:cTn id="23" presetID="1" presetClass="exit" presetSubtype="0" fill="hold" nodeType="withEffect">
                                   <p:stCondLst>
                                     <p:cond delay="0"/>
                                   </p:stCondLst>
                                   <p:childTnLst>
                                     <p:set>
                                       <p:cBhvr>
-                                        <p:cTn id="18" dur="1" fill="hold">
+                                        <p:cTn id="24" dur="1" fill="hold">
                                           <p:stCondLst>
                                             <p:cond delay="0"/>
                                           </p:stCondLst>
@@ -17976,26 +18059,26 @@
                     </p:cTn>
                   </p:par>
                   <p:par>
-                    <p:cTn id="19" fill="hold">
+                    <p:cTn id="25" fill="hold">
                       <p:stCondLst>
                         <p:cond delay="indefinite"/>
                       </p:stCondLst>
                       <p:childTnLst>
                         <p:par>
-                          <p:cTn id="20" fill="hold">
+                          <p:cTn id="26" fill="hold">
                             <p:stCondLst>
                               <p:cond delay="0"/>
                             </p:stCondLst>
                             <p:childTnLst>
                               <p:par>
-                                <p:cTn id="21" presetID="1" presetClass="exit" presetSubtype="0" fill="hold" nodeType="clickEffect">
+                                <p:cTn id="27" presetID="1" presetClass="exit" presetSubtype="0" fill="hold" nodeType="clickEffect">
                                   <p:stCondLst>
                                     <p:cond delay="0"/>
                                   </p:stCondLst>
                                   <p:childTnLst>
                                     <p:set>
                                       <p:cBhvr>
-                                        <p:cTn id="22" dur="1" fill="hold">
+                                        <p:cTn id="28" dur="1" fill="hold">
                                           <p:stCondLst>
                                             <p:cond delay="0"/>
                                           </p:stCondLst>
@@ -18015,14 +18098,14 @@
                                 </p:cTn>
                               </p:par>
                               <p:par>
-                                <p:cTn id="23" presetID="1" presetClass="entr" presetSubtype="0" fill="hold" nodeType="withEffect">
+                                <p:cTn id="29" presetID="1" presetClass="entr" presetSubtype="0" fill="hold" nodeType="withEffect">
                                   <p:stCondLst>
                                     <p:cond delay="0"/>
                                   </p:stCondLst>
                                   <p:childTnLst>
                                     <p:set>
                                       <p:cBhvr>
-                                        <p:cTn id="24" dur="1" fill="hold">
+                                        <p:cTn id="30" dur="1" fill="hold">
                                           <p:stCondLst>
                                             <p:cond delay="0"/>
                                           </p:stCondLst>
@@ -18042,14 +18125,49 @@
                                 </p:cTn>
                               </p:par>
                               <p:par>
-                                <p:cTn id="25" presetID="1" presetClass="entr" presetSubtype="0" fill="hold" nodeType="withEffect">
+                                <p:cTn id="31" presetID="10" presetClass="entr" presetSubtype="0" fill="hold" grpId="0" nodeType="withEffect">
                                   <p:stCondLst>
                                     <p:cond delay="0"/>
                                   </p:stCondLst>
                                   <p:childTnLst>
                                     <p:set>
                                       <p:cBhvr>
-                                        <p:cTn id="26" dur="1" fill="hold">
+                                        <p:cTn id="32" dur="1" fill="hold">
+                                          <p:stCondLst>
+                                            <p:cond delay="0"/>
+                                          </p:stCondLst>
+                                        </p:cTn>
+                                        <p:tgtEl>
+                                          <p:spTgt spid="41"/>
+                                        </p:tgtEl>
+                                        <p:attrNameLst>
+                                          <p:attrName>style.visibility</p:attrName>
+                                        </p:attrNameLst>
+                                      </p:cBhvr>
+                                      <p:to>
+                                        <p:strVal val="visible"/>
+                                      </p:to>
+                                    </p:set>
+                                    <p:animEffect transition="in" filter="fade">
+                                      <p:cBhvr>
+                                        <p:cTn id="33" dur="500"/>
+                                        <p:tgtEl>
+                                          <p:spTgt spid="41"/>
+                                        </p:tgtEl>
+                                      </p:cBhvr>
+                                    </p:animEffect>
+                                  </p:childTnLst>
+                                </p:cTn>
+                              </p:par>
+                              <p:par>
+                                <p:cTn id="34" presetID="1" presetClass="entr" presetSubtype="0" fill="hold" nodeType="withEffect">
+                                  <p:stCondLst>
+                                    <p:cond delay="0"/>
+                                  </p:stCondLst>
+                                  <p:childTnLst>
+                                    <p:set>
+                                      <p:cBhvr>
+                                        <p:cTn id="35" dur="1" fill="hold">
                                           <p:stCondLst>
                                             <p:cond delay="0"/>
                                           </p:stCondLst>
@@ -18075,26 +18193,26 @@
                     </p:cTn>
                   </p:par>
                   <p:par>
-                    <p:cTn id="27" fill="hold">
+                    <p:cTn id="36" fill="hold">
                       <p:stCondLst>
                         <p:cond delay="indefinite"/>
                       </p:stCondLst>
                       <p:childTnLst>
                         <p:par>
-                          <p:cTn id="28" fill="hold">
+                          <p:cTn id="37" fill="hold">
                             <p:stCondLst>
                               <p:cond delay="0"/>
                             </p:stCondLst>
                             <p:childTnLst>
                               <p:par>
-                                <p:cTn id="29" presetID="1" presetClass="exit" presetSubtype="0" fill="hold" nodeType="clickEffect">
+                                <p:cTn id="38" presetID="1" presetClass="exit" presetSubtype="0" fill="hold" nodeType="clickEffect">
                                   <p:stCondLst>
                                     <p:cond delay="0"/>
                                   </p:stCondLst>
                                   <p:childTnLst>
                                     <p:set>
                                       <p:cBhvr>
-                                        <p:cTn id="30" dur="1" fill="hold">
+                                        <p:cTn id="39" dur="1" fill="hold">
                                           <p:stCondLst>
                                             <p:cond delay="0"/>
                                           </p:stCondLst>
@@ -18114,14 +18232,14 @@
                                 </p:cTn>
                               </p:par>
                               <p:par>
-                                <p:cTn id="31" presetID="1" presetClass="exit" presetSubtype="0" fill="hold" nodeType="withEffect">
+                                <p:cTn id="40" presetID="1" presetClass="exit" presetSubtype="0" fill="hold" nodeType="withEffect">
                                   <p:stCondLst>
                                     <p:cond delay="0"/>
                                   </p:stCondLst>
                                   <p:childTnLst>
                                     <p:set>
                                       <p:cBhvr>
-                                        <p:cTn id="32" dur="1" fill="hold">
+                                        <p:cTn id="41" dur="1" fill="hold">
                                           <p:stCondLst>
                                             <p:cond delay="0"/>
                                           </p:stCondLst>
@@ -18141,14 +18259,14 @@
                                 </p:cTn>
                               </p:par>
                               <p:par>
-                                <p:cTn id="33" presetID="1" presetClass="entr" presetSubtype="0" fill="hold" nodeType="withEffect">
+                                <p:cTn id="42" presetID="1" presetClass="entr" presetSubtype="0" fill="hold" nodeType="withEffect">
                                   <p:stCondLst>
                                     <p:cond delay="0"/>
                                   </p:stCondLst>
                                   <p:childTnLst>
                                     <p:set>
                                       <p:cBhvr>
-                                        <p:cTn id="34" dur="1" fill="hold">
+                                        <p:cTn id="43" dur="1" fill="hold">
                                           <p:stCondLst>
                                             <p:cond delay="0"/>
                                           </p:stCondLst>
@@ -18168,14 +18286,49 @@
                                 </p:cTn>
                               </p:par>
                               <p:par>
-                                <p:cTn id="35" presetID="1" presetClass="entr" presetSubtype="0" fill="hold" nodeType="withEffect">
+                                <p:cTn id="44" presetID="10" presetClass="entr" presetSubtype="0" fill="hold" grpId="0" nodeType="withEffect">
                                   <p:stCondLst>
                                     <p:cond delay="0"/>
                                   </p:stCondLst>
                                   <p:childTnLst>
                                     <p:set>
                                       <p:cBhvr>
-                                        <p:cTn id="36" dur="1" fill="hold">
+                                        <p:cTn id="45" dur="1" fill="hold">
+                                          <p:stCondLst>
+                                            <p:cond delay="0"/>
+                                          </p:stCondLst>
+                                        </p:cTn>
+                                        <p:tgtEl>
+                                          <p:spTgt spid="43"/>
+                                        </p:tgtEl>
+                                        <p:attrNameLst>
+                                          <p:attrName>style.visibility</p:attrName>
+                                        </p:attrNameLst>
+                                      </p:cBhvr>
+                                      <p:to>
+                                        <p:strVal val="visible"/>
+                                      </p:to>
+                                    </p:set>
+                                    <p:animEffect transition="in" filter="fade">
+                                      <p:cBhvr>
+                                        <p:cTn id="46" dur="500"/>
+                                        <p:tgtEl>
+                                          <p:spTgt spid="43"/>
+                                        </p:tgtEl>
+                                      </p:cBhvr>
+                                    </p:animEffect>
+                                  </p:childTnLst>
+                                </p:cTn>
+                              </p:par>
+                              <p:par>
+                                <p:cTn id="47" presetID="1" presetClass="entr" presetSubtype="0" fill="hold" nodeType="withEffect">
+                                  <p:stCondLst>
+                                    <p:cond delay="0"/>
+                                  </p:stCondLst>
+                                  <p:childTnLst>
+                                    <p:set>
+                                      <p:cBhvr>
+                                        <p:cTn id="48" dur="1" fill="hold">
                                           <p:stCondLst>
                                             <p:cond delay="0"/>
                                           </p:stCondLst>
@@ -18195,14 +18348,14 @@
                                 </p:cTn>
                               </p:par>
                               <p:par>
-                                <p:cTn id="37" presetID="1" presetClass="exit" presetSubtype="0" fill="hold" nodeType="withEffect">
+                                <p:cTn id="49" presetID="1" presetClass="exit" presetSubtype="0" fill="hold" nodeType="withEffect">
                                   <p:stCondLst>
                                     <p:cond delay="0"/>
                                   </p:stCondLst>
                                   <p:childTnLst>
                                     <p:set>
                                       <p:cBhvr>
-                                        <p:cTn id="38" dur="1" fill="hold">
+                                        <p:cTn id="50" dur="1" fill="hold">
                                           <p:stCondLst>
                                             <p:cond delay="0"/>
                                           </p:stCondLst>
@@ -18228,26 +18381,26 @@
                     </p:cTn>
                   </p:par>
                   <p:par>
-                    <p:cTn id="39" fill="hold">
+                    <p:cTn id="51" fill="hold">
                       <p:stCondLst>
                         <p:cond delay="indefinite"/>
                       </p:stCondLst>
                       <p:childTnLst>
                         <p:par>
-                          <p:cTn id="40" fill="hold">
+                          <p:cTn id="52" fill="hold">
                             <p:stCondLst>
                               <p:cond delay="0"/>
                             </p:stCondLst>
                             <p:childTnLst>
                               <p:par>
-                                <p:cTn id="41" presetID="1" presetClass="exit" presetSubtype="0" fill="hold" nodeType="clickEffect">
+                                <p:cTn id="53" presetID="1" presetClass="exit" presetSubtype="0" fill="hold" nodeType="clickEffect">
                                   <p:stCondLst>
                                     <p:cond delay="0"/>
                                   </p:stCondLst>
                                   <p:childTnLst>
                                     <p:set>
                                       <p:cBhvr>
-                                        <p:cTn id="42" dur="1" fill="hold">
+                                        <p:cTn id="54" dur="1" fill="hold">
                                           <p:stCondLst>
                                             <p:cond delay="0"/>
                                           </p:stCondLst>
@@ -18267,14 +18420,14 @@
                                 </p:cTn>
                               </p:par>
                               <p:par>
-                                <p:cTn id="43" presetID="1" presetClass="entr" presetSubtype="0" fill="hold" nodeType="withEffect">
+                                <p:cTn id="55" presetID="1" presetClass="entr" presetSubtype="0" fill="hold" nodeType="withEffect">
                                   <p:stCondLst>
                                     <p:cond delay="0"/>
                                   </p:stCondLst>
                                   <p:childTnLst>
                                     <p:set>
                                       <p:cBhvr>
-                                        <p:cTn id="44" dur="1" fill="hold">
+                                        <p:cTn id="56" dur="1" fill="hold">
                                           <p:stCondLst>
                                             <p:cond delay="0"/>
                                           </p:stCondLst>
@@ -18294,14 +18447,49 @@
                                 </p:cTn>
                               </p:par>
                               <p:par>
-                                <p:cTn id="45" presetID="1" presetClass="entr" presetSubtype="0" fill="hold" nodeType="withEffect">
+                                <p:cTn id="57" presetID="10" presetClass="entr" presetSubtype="0" fill="hold" grpId="0" nodeType="withEffect">
                                   <p:stCondLst>
                                     <p:cond delay="0"/>
                                   </p:stCondLst>
                                   <p:childTnLst>
                                     <p:set>
                                       <p:cBhvr>
-                                        <p:cTn id="46" dur="1" fill="hold">
+                                        <p:cTn id="58" dur="1" fill="hold">
+                                          <p:stCondLst>
+                                            <p:cond delay="0"/>
+                                          </p:stCondLst>
+                                        </p:cTn>
+                                        <p:tgtEl>
+                                          <p:spTgt spid="44"/>
+                                        </p:tgtEl>
+                                        <p:attrNameLst>
+                                          <p:attrName>style.visibility</p:attrName>
+                                        </p:attrNameLst>
+                                      </p:cBhvr>
+                                      <p:to>
+                                        <p:strVal val="visible"/>
+                                      </p:to>
+                                    </p:set>
+                                    <p:animEffect transition="in" filter="fade">
+                                      <p:cBhvr>
+                                        <p:cTn id="59" dur="500"/>
+                                        <p:tgtEl>
+                                          <p:spTgt spid="44"/>
+                                        </p:tgtEl>
+                                      </p:cBhvr>
+                                    </p:animEffect>
+                                  </p:childTnLst>
+                                </p:cTn>
+                              </p:par>
+                              <p:par>
+                                <p:cTn id="60" presetID="1" presetClass="entr" presetSubtype="0" fill="hold" nodeType="withEffect">
+                                  <p:stCondLst>
+                                    <p:cond delay="0"/>
+                                  </p:stCondLst>
+                                  <p:childTnLst>
+                                    <p:set>
+                                      <p:cBhvr>
+                                        <p:cTn id="61" dur="1" fill="hold">
                                           <p:stCondLst>
                                             <p:cond delay="0"/>
                                           </p:stCondLst>
@@ -18321,14 +18509,14 @@
                                 </p:cTn>
                               </p:par>
                               <p:par>
-                                <p:cTn id="47" presetID="1" presetClass="exit" presetSubtype="0" fill="hold" nodeType="withEffect">
+                                <p:cTn id="62" presetID="1" presetClass="exit" presetSubtype="0" fill="hold" nodeType="withEffect">
                                   <p:stCondLst>
                                     <p:cond delay="0"/>
                                   </p:stCondLst>
                                   <p:childTnLst>
                                     <p:set>
                                       <p:cBhvr>
-                                        <p:cTn id="48" dur="1" fill="hold">
+                                        <p:cTn id="63" dur="1" fill="hold">
                                           <p:stCondLst>
                                             <p:cond delay="0"/>
                                           </p:stCondLst>
@@ -18374,6 +18562,13 @@
         </p:cTn>
       </p:par>
     </p:tnLst>
+    <p:bldLst>
+      <p:bldP spid="38" grpId="0"/>
+      <p:bldP spid="40" grpId="0"/>
+      <p:bldP spid="41" grpId="0"/>
+      <p:bldP spid="43" grpId="0"/>
+      <p:bldP spid="44" grpId="0"/>
+    </p:bldLst>
   </p:timing>
 </p:sld>
 </file>
@@ -18470,7 +18665,7 @@
                 <a:tabLst/>
                 <a:defRPr/>
               </a:pPr>
-              <a:t>17.05.2022</a:t>
+              <a:t>18.05.2022</a:t>
             </a:fld>
             <a:endParaRPr kumimoji="0" lang="de-DE" sz="900" b="0" i="0" u="none" strike="noStrike" kern="1200" cap="none" spc="0" normalizeH="0" baseline="0" noProof="0" dirty="0">
               <a:ln>
@@ -19342,7 +19537,7 @@
                 <a:tabLst/>
                 <a:defRPr/>
               </a:pPr>
-              <a:t>17.05.2022</a:t>
+              <a:t>18.05.2022</a:t>
             </a:fld>
             <a:endParaRPr kumimoji="0" lang="de-DE" sz="900" b="0" i="0" u="none" strike="noStrike" kern="1200" cap="none" spc="0" normalizeH="0" baseline="0" noProof="0" dirty="0">
               <a:ln>
@@ -20322,7 +20517,7 @@
                 <a:tabLst/>
                 <a:defRPr/>
               </a:pPr>
-              <a:t>17.05.2022</a:t>
+              <a:t>18.05.2022</a:t>
             </a:fld>
             <a:endParaRPr kumimoji="0" lang="de-DE" sz="900" b="0" i="0" u="none" strike="noStrike" kern="1200" cap="none" spc="0" normalizeH="0" baseline="0" noProof="0" dirty="0">
               <a:ln>
@@ -21166,7 +21361,7 @@
           <a:p>
             <a:fld id="{4E4D35B4-7069-4B30-92CD-0AEC62722384}" type="datetime1">
               <a:rPr lang="de-DE" smtClean="0"/>
-              <a:t>17.05.2022</a:t>
+              <a:t>18.05.2022</a:t>
             </a:fld>
             <a:endParaRPr lang="de-DE" dirty="0"/>
           </a:p>
@@ -21366,7 +21561,7 @@
                 <a:tabLst/>
                 <a:defRPr/>
               </a:pPr>
-              <a:t>17.05.2022</a:t>
+              <a:t>18.05.2022</a:t>
             </a:fld>
             <a:endParaRPr kumimoji="0" lang="de-DE" sz="900" b="0" i="0" u="none" strike="noStrike" kern="1200" cap="none" spc="0" normalizeH="0" baseline="0" noProof="0" dirty="0">
               <a:ln>
@@ -22655,7 +22850,7 @@
                   <a:srgbClr val="2E4186"/>
                 </a:solidFill>
               </a:rPr>
-              <a:t>17.05.2022</a:t>
+              <a:t>18.05.2022</a:t>
             </a:fld>
             <a:endParaRPr lang="de-DE" dirty="0">
               <a:solidFill>
@@ -23821,7 +24016,7 @@
                   <a:srgbClr val="2E4186"/>
                 </a:solidFill>
               </a:rPr>
-              <a:t>17.05.2022</a:t>
+              <a:t>18.05.2022</a:t>
             </a:fld>
             <a:endParaRPr lang="de-DE" dirty="0">
               <a:solidFill>
@@ -25062,7 +25257,7 @@
                   <a:srgbClr val="2E4186"/>
                 </a:solidFill>
               </a:rPr>
-              <a:t>17.05.2022</a:t>
+              <a:t>18.05.2022</a:t>
             </a:fld>
             <a:endParaRPr lang="de-DE" dirty="0">
               <a:solidFill>
@@ -25647,7 +25842,7 @@
                   <a:srgbClr val="2E4186"/>
                 </a:solidFill>
               </a:rPr>
-              <a:t>17.05.2022</a:t>
+              <a:t>18.05.2022</a:t>
             </a:fld>
             <a:endParaRPr lang="de-DE" dirty="0">
               <a:solidFill>
@@ -26816,7 +27011,7 @@
                   <a:srgbClr val="2E4186"/>
                 </a:solidFill>
               </a:rPr>
-              <a:t>17.05.2022</a:t>
+              <a:t>18.05.2022</a:t>
             </a:fld>
             <a:endParaRPr lang="de-DE" dirty="0">
               <a:solidFill>
@@ -27657,7 +27852,7 @@
                   <a:srgbClr val="2E4186"/>
                 </a:solidFill>
               </a:rPr>
-              <a:t>17.05.2022</a:t>
+              <a:t>18.05.2022</a:t>
             </a:fld>
             <a:endParaRPr lang="de-DE" dirty="0">
               <a:solidFill>
@@ -29195,7 +29390,7 @@
                   <a:srgbClr val="2E4186"/>
                 </a:solidFill>
               </a:rPr>
-              <a:t>17.05.2022</a:t>
+              <a:t>18.05.2022</a:t>
             </a:fld>
             <a:endParaRPr lang="de-DE" dirty="0">
               <a:solidFill>

--- a/Presentations/Project Proposal/Project Proposal Presentation Verena.pptx
+++ b/Presentations/Project Proposal/Project Proposal Presentation Verena.pptx
@@ -1316,13 +1316,8 @@
             </a:r>
             <a:r>
               <a:rPr lang="en-US" dirty="0"/>
-              <a:t>. The round table. Every Tuesday evening at five pm we meet at a conference room in the library and hold our weeks main meeting. This includes an in-depth discussion of our tutorial with Ian earlier in the day and exploring of our further developed ideas from the tutorial debriefing. We also recap what we achieved in the last week and distribute tasks for the </a:t>
-            </a:r>
-            <a:r>
-              <a:rPr lang="en-US"/>
-              <a:t>coming week. </a:t>
-            </a:r>
-            <a:endParaRPr lang="en-US" dirty="0"/>
+              <a:t>. The round table. Every Tuesday evening at five pm we meet at a conference room in the library and hold our weeks main meeting. This includes an in-depth discussion of our tutorial with Ian earlier in the day and exploring of our further developed ideas from the tutorial debriefing. We also recap what we achieved in the last week and distribute tasks for the coming week. </a:t>
+            </a:r>
           </a:p>
           <a:p>
             <a:r>
